--- a/assets/cs50/week4.pptx
+++ b/assets/cs50/week4.pptx
@@ -5065,7 +5065,21 @@
                 <a:latin typeface="Courier"/>
                 <a:cs typeface="Courier"/>
               </a:rPr>
-              <a:t> = open(&lt;</a:t>
+              <a:t> = </a:t>
+            </a:r>
+            <a:r>
+              <a:rPr lang="en-US" smtClean="0">
+                <a:latin typeface="Courier"/>
+                <a:cs typeface="Courier"/>
+              </a:rPr>
+              <a:t>fopen</a:t>
+            </a:r>
+            <a:r>
+              <a:rPr lang="en-US" dirty="0" smtClean="0">
+                <a:latin typeface="Courier"/>
+                <a:cs typeface="Courier"/>
+              </a:rPr>
+              <a:t>(&lt;</a:t>
             </a:r>
             <a:r>
               <a:rPr lang="en-US" dirty="0" err="1" smtClean="0">
